--- a/因祂活著.pptx
+++ b/因祂活著.pptx
@@ -105,6 +105,11 @@
       </a:defRPr>
     </a:lvl9pPr>
   </p:defaultTextStyle>
+  <p:extLst>
+    <p:ext uri="{EFAFB233-063F-42B5-8137-9DF3F51BA10A}">
+      <p15:sldGuideLst xmlns:p15="http://schemas.microsoft.com/office/powerpoint/2012/main"/>
+    </p:ext>
+  </p:extLst>
 </p:presentation>
 </file>
 
@@ -289,7 +294,7 @@
           <a:p>
             <a:fld id="{76993D8F-CF75-407B-8F8C-987B01043C6A}" type="datetimeFigureOut">
               <a:rPr lang="vi-VN" smtClean="0"/>
-              <a:t>14/03/2020</a:t>
+              <a:t>10/04/2020</a:t>
             </a:fld>
             <a:endParaRPr lang="vi-VN"/>
           </a:p>
@@ -459,7 +464,7 @@
           <a:p>
             <a:fld id="{76993D8F-CF75-407B-8F8C-987B01043C6A}" type="datetimeFigureOut">
               <a:rPr lang="vi-VN" smtClean="0"/>
-              <a:t>14/03/2020</a:t>
+              <a:t>10/04/2020</a:t>
             </a:fld>
             <a:endParaRPr lang="vi-VN"/>
           </a:p>
@@ -639,7 +644,7 @@
           <a:p>
             <a:fld id="{76993D8F-CF75-407B-8F8C-987B01043C6A}" type="datetimeFigureOut">
               <a:rPr lang="vi-VN" smtClean="0"/>
-              <a:t>14/03/2020</a:t>
+              <a:t>10/04/2020</a:t>
             </a:fld>
             <a:endParaRPr lang="vi-VN"/>
           </a:p>
@@ -809,7 +814,7 @@
           <a:p>
             <a:fld id="{76993D8F-CF75-407B-8F8C-987B01043C6A}" type="datetimeFigureOut">
               <a:rPr lang="vi-VN" smtClean="0"/>
-              <a:t>14/03/2020</a:t>
+              <a:t>10/04/2020</a:t>
             </a:fld>
             <a:endParaRPr lang="vi-VN"/>
           </a:p>
@@ -1055,7 +1060,7 @@
           <a:p>
             <a:fld id="{76993D8F-CF75-407B-8F8C-987B01043C6A}" type="datetimeFigureOut">
               <a:rPr lang="vi-VN" smtClean="0"/>
-              <a:t>14/03/2020</a:t>
+              <a:t>10/04/2020</a:t>
             </a:fld>
             <a:endParaRPr lang="vi-VN"/>
           </a:p>
@@ -1343,7 +1348,7 @@
           <a:p>
             <a:fld id="{76993D8F-CF75-407B-8F8C-987B01043C6A}" type="datetimeFigureOut">
               <a:rPr lang="vi-VN" smtClean="0"/>
-              <a:t>14/03/2020</a:t>
+              <a:t>10/04/2020</a:t>
             </a:fld>
             <a:endParaRPr lang="vi-VN"/>
           </a:p>
@@ -1765,7 +1770,7 @@
           <a:p>
             <a:fld id="{76993D8F-CF75-407B-8F8C-987B01043C6A}" type="datetimeFigureOut">
               <a:rPr lang="vi-VN" smtClean="0"/>
-              <a:t>14/03/2020</a:t>
+              <a:t>10/04/2020</a:t>
             </a:fld>
             <a:endParaRPr lang="vi-VN"/>
           </a:p>
@@ -1883,7 +1888,7 @@
           <a:p>
             <a:fld id="{76993D8F-CF75-407B-8F8C-987B01043C6A}" type="datetimeFigureOut">
               <a:rPr lang="vi-VN" smtClean="0"/>
-              <a:t>14/03/2020</a:t>
+              <a:t>10/04/2020</a:t>
             </a:fld>
             <a:endParaRPr lang="vi-VN"/>
           </a:p>
@@ -1978,7 +1983,7 @@
           <a:p>
             <a:fld id="{76993D8F-CF75-407B-8F8C-987B01043C6A}" type="datetimeFigureOut">
               <a:rPr lang="vi-VN" smtClean="0"/>
-              <a:t>14/03/2020</a:t>
+              <a:t>10/04/2020</a:t>
             </a:fld>
             <a:endParaRPr lang="vi-VN"/>
           </a:p>
@@ -2255,7 +2260,7 @@
           <a:p>
             <a:fld id="{76993D8F-CF75-407B-8F8C-987B01043C6A}" type="datetimeFigureOut">
               <a:rPr lang="vi-VN" smtClean="0"/>
-              <a:t>14/03/2020</a:t>
+              <a:t>10/04/2020</a:t>
             </a:fld>
             <a:endParaRPr lang="vi-VN"/>
           </a:p>
@@ -2512,7 +2517,7 @@
           <a:p>
             <a:fld id="{76993D8F-CF75-407B-8F8C-987B01043C6A}" type="datetimeFigureOut">
               <a:rPr lang="vi-VN" smtClean="0"/>
-              <a:t>14/03/2020</a:t>
+              <a:t>10/04/2020</a:t>
             </a:fld>
             <a:endParaRPr lang="vi-VN"/>
           </a:p>
@@ -2730,7 +2735,7 @@
           <a:p>
             <a:fld id="{76993D8F-CF75-407B-8F8C-987B01043C6A}" type="datetimeFigureOut">
               <a:rPr lang="vi-VN" smtClean="0"/>
-              <a:t>14/03/2020</a:t>
+              <a:t>10/04/2020</a:t>
             </a:fld>
             <a:endParaRPr lang="vi-VN"/>
           </a:p>
@@ -3193,11 +3198,32 @@
               <a:buNone/>
             </a:pPr>
             <a:r>
+              <a:rPr lang="zh-TW" altLang="en-US" sz="5400" b="1" dirty="0" smtClean="0">
+                <a:latin typeface="Microsoft JhengHei" panose="020B0604030504040204" pitchFamily="34" charset="-120"/>
+                <a:ea typeface="Microsoft JhengHei" panose="020B0604030504040204" pitchFamily="34" charset="-120"/>
+              </a:rPr>
+              <a:t>死</a:t>
+            </a:r>
+            <a:r>
+              <a:rPr lang="zh-CN" altLang="en-US" sz="5400" b="1" dirty="0">
+                <a:latin typeface="Microsoft JhengHei" panose="020B0604030504040204" pitchFamily="34" charset="-120"/>
+                <a:ea typeface="Microsoft JhengHei" panose="020B0604030504040204" pitchFamily="34" charset="-120"/>
+              </a:rPr>
+              <a:t>裡</a:t>
+            </a:r>
+            <a:r>
+              <a:rPr lang="zh-TW" altLang="en-US" sz="5400" b="1" dirty="0" smtClean="0">
+                <a:latin typeface="Microsoft JhengHei" panose="020B0604030504040204" pitchFamily="34" charset="-120"/>
+                <a:ea typeface="Microsoft JhengHei" panose="020B0604030504040204" pitchFamily="34" charset="-120"/>
+              </a:rPr>
+              <a:t>復</a:t>
+            </a:r>
+            <a:r>
               <a:rPr lang="zh-TW" altLang="en-US" sz="5400" b="1" dirty="0">
                 <a:latin typeface="Microsoft JhengHei" panose="020B0604030504040204" pitchFamily="34" charset="-120"/>
                 <a:ea typeface="Microsoft JhengHei" panose="020B0604030504040204" pitchFamily="34" charset="-120"/>
               </a:rPr>
-              <a:t>死祂復活 使我得自由</a:t>
+              <a:t>活 使我得自由</a:t>
             </a:r>
             <a:r>
               <a:rPr lang="en-US" sz="5400" b="1" dirty="0">
@@ -3360,42 +3386,21 @@
                 <a:latin typeface="Microsoft JhengHei" panose="020B0604030504040204" pitchFamily="34" charset="-120"/>
                 <a:ea typeface="Microsoft JhengHei" panose="020B0604030504040204" pitchFamily="34" charset="-120"/>
               </a:rPr>
-              <a:t>生命充滿了希</a:t>
+              <a:t>生命充滿了希望</a:t>
+            </a:r>
+            <a:r>
+              <a:rPr lang="en-US" altLang="zh-TW" sz="5400" b="1" dirty="0">
+                <a:latin typeface="Microsoft JhengHei" panose="020B0604030504040204" pitchFamily="34" charset="-120"/>
+                <a:ea typeface="Microsoft JhengHei" panose="020B0604030504040204" pitchFamily="34" charset="-120"/>
+              </a:rPr>
+              <a:t>  </a:t>
             </a:r>
             <a:r>
               <a:rPr lang="zh-TW" altLang="en-US" sz="5400" b="1" dirty="0">
                 <a:latin typeface="Microsoft JhengHei" panose="020B0604030504040204" pitchFamily="34" charset="-120"/>
                 <a:ea typeface="Microsoft JhengHei" panose="020B0604030504040204" pitchFamily="34" charset="-120"/>
               </a:rPr>
-              <a:t>望</a:t>
-            </a:r>
-            <a:r>
-              <a:rPr lang="en-US" altLang="zh-TW" sz="5400" b="1" dirty="0">
-                <a:latin typeface="Microsoft JhengHei" panose="020B0604030504040204" pitchFamily="34" charset="-120"/>
-                <a:ea typeface="Microsoft JhengHei" panose="020B0604030504040204" pitchFamily="34" charset="-120"/>
-              </a:rPr>
-              <a:t> </a:t>
-            </a:r>
-            <a:r>
-              <a:rPr lang="en-US" altLang="zh-TW" sz="5400" b="1" dirty="0">
-                <a:latin typeface="Microsoft JhengHei" panose="020B0604030504040204" pitchFamily="34" charset="-120"/>
-                <a:ea typeface="Microsoft JhengHei" panose="020B0604030504040204" pitchFamily="34" charset="-120"/>
-              </a:rPr>
-              <a:t> </a:t>
-            </a:r>
-            <a:r>
-              <a:rPr lang="zh-TW" altLang="en-US" sz="5400" b="1" dirty="0">
-                <a:latin typeface="Microsoft JhengHei" panose="020B0604030504040204" pitchFamily="34" charset="-120"/>
-                <a:ea typeface="Microsoft JhengHei" panose="020B0604030504040204" pitchFamily="34" charset="-120"/>
-              </a:rPr>
-              <a:t>只</a:t>
-            </a:r>
-            <a:r>
-              <a:rPr lang="zh-TW" altLang="en-US" sz="5400" b="1" dirty="0">
-                <a:latin typeface="Microsoft JhengHei" panose="020B0604030504040204" pitchFamily="34" charset="-120"/>
-                <a:ea typeface="Microsoft JhengHei" panose="020B0604030504040204" pitchFamily="34" charset="-120"/>
-              </a:rPr>
-              <a:t>因祂活著</a:t>
+              <a:t>只因祂活著</a:t>
             </a:r>
             <a:endParaRPr lang="vi-VN" sz="5400" b="1" dirty="0">
               <a:latin typeface="Microsoft JhengHei" panose="020B0604030504040204" pitchFamily="34" charset="-120"/>

--- a/因祂活著.pptx
+++ b/因祂活著.pptx
@@ -5,8 +5,11 @@
     <p:sldMasterId id="2147483660" r:id="rId1"/>
   </p:sldMasterIdLst>
   <p:sldIdLst>
-    <p:sldId id="257" r:id="rId2"/>
-    <p:sldId id="258" r:id="rId3"/>
+    <p:sldId id="259" r:id="rId2"/>
+    <p:sldId id="260" r:id="rId3"/>
+    <p:sldId id="261" r:id="rId4"/>
+    <p:sldId id="262" r:id="rId5"/>
+    <p:sldId id="263" r:id="rId6"/>
   </p:sldIdLst>
   <p:sldSz cx="12192000" cy="6858000"/>
   <p:notesSz cx="6858000" cy="9144000"/>
@@ -294,7 +297,7 @@
           <a:p>
             <a:fld id="{76993D8F-CF75-407B-8F8C-987B01043C6A}" type="datetimeFigureOut">
               <a:rPr lang="vi-VN" smtClean="0"/>
-              <a:t>10/04/2020</a:t>
+              <a:t>08/10/2022</a:t>
             </a:fld>
             <a:endParaRPr lang="vi-VN"/>
           </a:p>
@@ -464,7 +467,7 @@
           <a:p>
             <a:fld id="{76993D8F-CF75-407B-8F8C-987B01043C6A}" type="datetimeFigureOut">
               <a:rPr lang="vi-VN" smtClean="0"/>
-              <a:t>10/04/2020</a:t>
+              <a:t>08/10/2022</a:t>
             </a:fld>
             <a:endParaRPr lang="vi-VN"/>
           </a:p>
@@ -644,7 +647,7 @@
           <a:p>
             <a:fld id="{76993D8F-CF75-407B-8F8C-987B01043C6A}" type="datetimeFigureOut">
               <a:rPr lang="vi-VN" smtClean="0"/>
-              <a:t>10/04/2020</a:t>
+              <a:t>08/10/2022</a:t>
             </a:fld>
             <a:endParaRPr lang="vi-VN"/>
           </a:p>
@@ -814,7 +817,7 @@
           <a:p>
             <a:fld id="{76993D8F-CF75-407B-8F8C-987B01043C6A}" type="datetimeFigureOut">
               <a:rPr lang="vi-VN" smtClean="0"/>
-              <a:t>10/04/2020</a:t>
+              <a:t>08/10/2022</a:t>
             </a:fld>
             <a:endParaRPr lang="vi-VN"/>
           </a:p>
@@ -1060,7 +1063,7 @@
           <a:p>
             <a:fld id="{76993D8F-CF75-407B-8F8C-987B01043C6A}" type="datetimeFigureOut">
               <a:rPr lang="vi-VN" smtClean="0"/>
-              <a:t>10/04/2020</a:t>
+              <a:t>08/10/2022</a:t>
             </a:fld>
             <a:endParaRPr lang="vi-VN"/>
           </a:p>
@@ -1348,7 +1351,7 @@
           <a:p>
             <a:fld id="{76993D8F-CF75-407B-8F8C-987B01043C6A}" type="datetimeFigureOut">
               <a:rPr lang="vi-VN" smtClean="0"/>
-              <a:t>10/04/2020</a:t>
+              <a:t>08/10/2022</a:t>
             </a:fld>
             <a:endParaRPr lang="vi-VN"/>
           </a:p>
@@ -1770,7 +1773,7 @@
           <a:p>
             <a:fld id="{76993D8F-CF75-407B-8F8C-987B01043C6A}" type="datetimeFigureOut">
               <a:rPr lang="vi-VN" smtClean="0"/>
-              <a:t>10/04/2020</a:t>
+              <a:t>08/10/2022</a:t>
             </a:fld>
             <a:endParaRPr lang="vi-VN"/>
           </a:p>
@@ -1888,7 +1891,7 @@
           <a:p>
             <a:fld id="{76993D8F-CF75-407B-8F8C-987B01043C6A}" type="datetimeFigureOut">
               <a:rPr lang="vi-VN" smtClean="0"/>
-              <a:t>10/04/2020</a:t>
+              <a:t>08/10/2022</a:t>
             </a:fld>
             <a:endParaRPr lang="vi-VN"/>
           </a:p>
@@ -1983,7 +1986,7 @@
           <a:p>
             <a:fld id="{76993D8F-CF75-407B-8F8C-987B01043C6A}" type="datetimeFigureOut">
               <a:rPr lang="vi-VN" smtClean="0"/>
-              <a:t>10/04/2020</a:t>
+              <a:t>08/10/2022</a:t>
             </a:fld>
             <a:endParaRPr lang="vi-VN"/>
           </a:p>
@@ -2260,7 +2263,7 @@
           <a:p>
             <a:fld id="{76993D8F-CF75-407B-8F8C-987B01043C6A}" type="datetimeFigureOut">
               <a:rPr lang="vi-VN" smtClean="0"/>
-              <a:t>10/04/2020</a:t>
+              <a:t>08/10/2022</a:t>
             </a:fld>
             <a:endParaRPr lang="vi-VN"/>
           </a:p>
@@ -2517,7 +2520,7 @@
           <a:p>
             <a:fld id="{76993D8F-CF75-407B-8F8C-987B01043C6A}" type="datetimeFigureOut">
               <a:rPr lang="vi-VN" smtClean="0"/>
-              <a:t>10/04/2020</a:t>
+              <a:t>08/10/2022</a:t>
             </a:fld>
             <a:endParaRPr lang="vi-VN"/>
           </a:p>
@@ -2735,7 +2738,7 @@
           <a:p>
             <a:fld id="{76993D8F-CF75-407B-8F8C-987B01043C6A}" type="datetimeFigureOut">
               <a:rPr lang="vi-VN" smtClean="0"/>
-              <a:t>10/04/2020</a:t>
+              <a:t>08/10/2022</a:t>
             </a:fld>
             <a:endParaRPr lang="vi-VN"/>
           </a:p>
@@ -3112,7 +3115,7 @@
       </p:grpSpPr>
       <p:sp>
         <p:nvSpPr>
-          <p:cNvPr id="2" name="Title 1"/>
+          <p:cNvPr id="4" name="標題 3"/>
           <p:cNvSpPr>
             <a:spLocks noGrp="1"/>
           </p:cNvSpPr>
@@ -3120,143 +3123,59 @@
             <p:ph type="title"/>
           </p:nvPr>
         </p:nvSpPr>
-        <p:spPr/>
+        <p:spPr>
+          <a:xfrm>
+            <a:off x="0" y="2660915"/>
+            <a:ext cx="12192000" cy="1143000"/>
+          </a:xfrm>
+        </p:spPr>
         <p:txBody>
           <a:bodyPr>
-            <a:normAutofit/>
+            <a:noAutofit/>
           </a:bodyPr>
           <a:lstStyle/>
           <a:p>
             <a:r>
-              <a:rPr lang="zh-TW" altLang="en-US" sz="4800" b="1" dirty="0">
-                <a:latin typeface="Microsoft JhengHei" panose="020B0604030504040204" pitchFamily="34" charset="-120"/>
-                <a:ea typeface="Microsoft JhengHei" panose="020B0604030504040204" pitchFamily="34" charset="-120"/>
+              <a:rPr lang="zh-TW" altLang="en-US" sz="7200" b="1" i="1" dirty="0">
+                <a:solidFill>
+                  <a:srgbClr val="660033"/>
+                </a:solidFill>
+                <a:effectLst>
+                  <a:outerShdw blurRad="38100" dist="38100" dir="2700000" algn="tl">
+                    <a:srgbClr val="000000">
+                      <a:alpha val="43137"/>
+                    </a:srgbClr>
+                  </a:outerShdw>
+                </a:effectLst>
+                <a:latin typeface="微軟正黑體" pitchFamily="34" charset="-120"/>
+                <a:ea typeface="微軟正黑體" pitchFamily="34" charset="-120"/>
               </a:rPr>
-              <a:t>因祂活著</a:t>
-            </a:r>
-            <a:endParaRPr lang="vi-VN" sz="4800" b="1" dirty="0">
-              <a:ea typeface="Microsoft JhengHei" panose="020B0604030504040204" pitchFamily="34" charset="-120"/>
-            </a:endParaRPr>
-          </a:p>
-        </p:txBody>
-      </p:sp>
-      <p:sp>
-        <p:nvSpPr>
-          <p:cNvPr id="3" name="Content Placeholder 2"/>
-          <p:cNvSpPr>
-            <a:spLocks noGrp="1"/>
-          </p:cNvSpPr>
-          <p:nvPr>
-            <p:ph idx="1"/>
-          </p:nvPr>
-        </p:nvSpPr>
-        <p:spPr/>
-        <p:txBody>
-          <a:bodyPr>
-            <a:normAutofit/>
-          </a:bodyPr>
-          <a:lstStyle/>
-          <a:p>
-            <a:pPr marL="0" indent="0" algn="ctr">
-              <a:buNone/>
-            </a:pPr>
-            <a:r>
-              <a:rPr lang="zh-TW" altLang="en-US" sz="5400" b="1" dirty="0">
-                <a:latin typeface="Microsoft JhengHei" panose="020B0604030504040204" pitchFamily="34" charset="-120"/>
-                <a:ea typeface="Microsoft JhengHei" panose="020B0604030504040204" pitchFamily="34" charset="-120"/>
+              <a:t>因</a:t>
+            </a:r>
+            <a:r>
+              <a:rPr lang="zh-TW" altLang="en-US" sz="7200" b="1" i="1" dirty="0">
+                <a:solidFill>
+                  <a:srgbClr val="660033"/>
+                </a:solidFill>
+                <a:effectLst>
+                  <a:outerShdw blurRad="38100" dist="38100" dir="2700000" algn="tl">
+                    <a:srgbClr val="000000">
+                      <a:alpha val="43137"/>
+                    </a:srgbClr>
+                  </a:outerShdw>
+                </a:effectLst>
+                <a:latin typeface="微軟正黑體" pitchFamily="34" charset="-120"/>
+                <a:ea typeface="微軟正黑體" pitchFamily="34" charset="-120"/>
               </a:rPr>
-              <a:t>神差愛子 人稱祂耶穌</a:t>
-            </a:r>
-            <a:r>
-              <a:rPr lang="en-US" sz="5400" b="1" dirty="0">
-                <a:latin typeface="Microsoft JhengHei" panose="020B0604030504040204" pitchFamily="34" charset="-120"/>
-                <a:ea typeface="Microsoft JhengHei" panose="020B0604030504040204" pitchFamily="34" charset="-120"/>
-              </a:rPr>
-              <a:t> </a:t>
-            </a:r>
-            <a:endParaRPr lang="vi-VN" sz="5400" b="1" dirty="0">
-              <a:ea typeface="Microsoft JhengHei" panose="020B0604030504040204" pitchFamily="34" charset="-120"/>
-            </a:endParaRPr>
-          </a:p>
-          <a:p>
-            <a:pPr marL="0" indent="0" algn="ctr">
-              <a:buNone/>
-            </a:pPr>
-            <a:r>
-              <a:rPr lang="zh-TW" altLang="en-US" sz="5400" b="1" dirty="0">
-                <a:latin typeface="Microsoft JhengHei" panose="020B0604030504040204" pitchFamily="34" charset="-120"/>
-                <a:ea typeface="Microsoft JhengHei" panose="020B0604030504040204" pitchFamily="34" charset="-120"/>
-              </a:rPr>
-              <a:t>祂賜下愛 醫治寬恕</a:t>
-            </a:r>
-            <a:endParaRPr lang="vi-VN" sz="5400" b="1" dirty="0">
-              <a:ea typeface="Microsoft JhengHei" panose="020B0604030504040204" pitchFamily="34" charset="-120"/>
-            </a:endParaRPr>
-          </a:p>
-          <a:p>
-            <a:pPr marL="0" indent="0" algn="ctr">
-              <a:buNone/>
-            </a:pPr>
-            <a:r>
-              <a:rPr lang="zh-TW" altLang="en-US" sz="5400" b="1" dirty="0" smtClean="0">
-                <a:latin typeface="Microsoft JhengHei" panose="020B0604030504040204" pitchFamily="34" charset="-120"/>
-                <a:ea typeface="Microsoft JhengHei" panose="020B0604030504040204" pitchFamily="34" charset="-120"/>
-              </a:rPr>
-              <a:t>死</a:t>
-            </a:r>
-            <a:r>
-              <a:rPr lang="zh-CN" altLang="en-US" sz="5400" b="1" dirty="0">
-                <a:latin typeface="Microsoft JhengHei" panose="020B0604030504040204" pitchFamily="34" charset="-120"/>
-                <a:ea typeface="Microsoft JhengHei" panose="020B0604030504040204" pitchFamily="34" charset="-120"/>
-              </a:rPr>
-              <a:t>裡</a:t>
-            </a:r>
-            <a:r>
-              <a:rPr lang="zh-TW" altLang="en-US" sz="5400" b="1" dirty="0" smtClean="0">
-                <a:latin typeface="Microsoft JhengHei" panose="020B0604030504040204" pitchFamily="34" charset="-120"/>
-                <a:ea typeface="Microsoft JhengHei" panose="020B0604030504040204" pitchFamily="34" charset="-120"/>
-              </a:rPr>
-              <a:t>復</a:t>
-            </a:r>
-            <a:r>
-              <a:rPr lang="zh-TW" altLang="en-US" sz="5400" b="1" dirty="0">
-                <a:latin typeface="Microsoft JhengHei" panose="020B0604030504040204" pitchFamily="34" charset="-120"/>
-                <a:ea typeface="Microsoft JhengHei" panose="020B0604030504040204" pitchFamily="34" charset="-120"/>
-              </a:rPr>
-              <a:t>活 使我得自由</a:t>
-            </a:r>
-            <a:r>
-              <a:rPr lang="en-US" sz="5400" b="1" dirty="0">
-                <a:latin typeface="Microsoft JhengHei" panose="020B0604030504040204" pitchFamily="34" charset="-120"/>
-                <a:ea typeface="Microsoft JhengHei" panose="020B0604030504040204" pitchFamily="34" charset="-120"/>
-              </a:rPr>
-              <a:t> </a:t>
-            </a:r>
-            <a:endParaRPr lang="vi-VN" sz="5400" b="1" dirty="0">
-              <a:ea typeface="Microsoft JhengHei" panose="020B0604030504040204" pitchFamily="34" charset="-120"/>
-            </a:endParaRPr>
-          </a:p>
-          <a:p>
-            <a:pPr marL="0" indent="0" algn="ctr">
-              <a:buNone/>
-            </a:pPr>
-            <a:r>
-              <a:rPr lang="zh-TW" altLang="en-US" sz="5400" b="1" dirty="0">
-                <a:latin typeface="Microsoft JhengHei" panose="020B0604030504040204" pitchFamily="34" charset="-120"/>
-                <a:ea typeface="Microsoft JhengHei" panose="020B0604030504040204" pitchFamily="34" charset="-120"/>
-              </a:rPr>
-              <a:t>那空墳墓就是我得救的記號</a:t>
-            </a:r>
-            <a:endParaRPr lang="vi-VN" sz="5400" b="1" dirty="0">
-              <a:ea typeface="Microsoft JhengHei" panose="020B0604030504040204" pitchFamily="34" charset="-120"/>
-            </a:endParaRPr>
+              <a:t>祂活著</a:t>
+            </a:r>
           </a:p>
         </p:txBody>
       </p:sp>
     </p:spTree>
     <p:extLst>
       <p:ext uri="{BB962C8B-B14F-4D97-AF65-F5344CB8AC3E}">
-        <p14:creationId xmlns:p14="http://schemas.microsoft.com/office/powerpoint/2010/main" val="4158197945"/>
+        <p14:creationId xmlns:p14="http://schemas.microsoft.com/office/powerpoint/2010/main" val="657624309"/>
       </p:ext>
     </p:extLst>
   </p:cSld>
@@ -3285,62 +3204,260 @@
       </p:grpSpPr>
       <p:sp>
         <p:nvSpPr>
-          <p:cNvPr id="2" name="Title 1"/>
-          <p:cNvSpPr>
-            <a:spLocks noGrp="1"/>
-          </p:cNvSpPr>
-          <p:nvPr>
-            <p:ph type="title"/>
-          </p:nvPr>
-        </p:nvSpPr>
-        <p:spPr/>
-        <p:txBody>
-          <a:bodyPr>
+          <p:cNvPr id="5" name="內容版面配置區 4"/>
+          <p:cNvSpPr>
+            <a:spLocks noGrp="1"/>
+          </p:cNvSpPr>
+          <p:nvPr>
+            <p:ph idx="1"/>
+          </p:nvPr>
+        </p:nvSpPr>
+        <p:spPr>
+          <a:xfrm>
+            <a:off x="0" y="2084851"/>
+            <a:ext cx="12192000" cy="2404863"/>
+          </a:xfrm>
+        </p:spPr>
+        <p:txBody>
+          <a:bodyPr anchor="ctr">
             <a:normAutofit/>
           </a:bodyPr>
           <a:lstStyle/>
           <a:p>
-            <a:r>
-              <a:rPr lang="zh-TW" altLang="en-US" sz="4800" b="1" dirty="0">
+            <a:pPr marL="0" indent="0" algn="ctr">
+              <a:buNone/>
+            </a:pPr>
+            <a:r>
+              <a:rPr lang="zh-TW" altLang="en-US" sz="6400" b="1" dirty="0">
+                <a:solidFill>
+                  <a:srgbClr val="660033"/>
+                </a:solidFill>
                 <a:latin typeface="Microsoft JhengHei" panose="020B0604030504040204" pitchFamily="34" charset="-120"/>
                 <a:ea typeface="Microsoft JhengHei" panose="020B0604030504040204" pitchFamily="34" charset="-120"/>
               </a:rPr>
-              <a:t>因祂活著</a:t>
-            </a:r>
-            <a:endParaRPr lang="vi-VN" sz="4800" b="1" dirty="0">
-              <a:ea typeface="Microsoft JhengHei" panose="020B0604030504040204" pitchFamily="34" charset="-120"/>
-            </a:endParaRPr>
-          </a:p>
-        </p:txBody>
-      </p:sp>
-      <p:sp>
-        <p:nvSpPr>
-          <p:cNvPr id="3" name="Content Placeholder 2"/>
-          <p:cNvSpPr>
-            <a:spLocks noGrp="1"/>
-          </p:cNvSpPr>
-          <p:nvPr>
-            <p:ph idx="1"/>
-          </p:nvPr>
-        </p:nvSpPr>
-        <p:spPr/>
-        <p:txBody>
-          <a:bodyPr>
-            <a:normAutofit/>
-          </a:bodyPr>
-          <a:lstStyle/>
-          <a:p>
-            <a:pPr marL="0" indent="0" algn="ctr">
-              <a:buNone/>
-            </a:pPr>
-            <a:r>
-              <a:rPr lang="zh-TW" altLang="en-US" sz="5400" b="1" dirty="0">
+              <a:t>神差愛子  人稱祂耶穌</a:t>
+            </a:r>
+            <a:r>
+              <a:rPr lang="en-US" sz="6400" b="1" dirty="0">
+                <a:solidFill>
+                  <a:srgbClr val="660033"/>
+                </a:solidFill>
                 <a:latin typeface="Microsoft JhengHei" panose="020B0604030504040204" pitchFamily="34" charset="-120"/>
                 <a:ea typeface="Microsoft JhengHei" panose="020B0604030504040204" pitchFamily="34" charset="-120"/>
               </a:rPr>
-              <a:t>因祂活著 我能面對明天</a:t>
-            </a:r>
-            <a:endParaRPr lang="vi-VN" sz="5400" b="1" dirty="0">
+              <a:t> </a:t>
+            </a:r>
+            <a:endParaRPr lang="vi-VN" sz="6400" b="1" dirty="0">
+              <a:solidFill>
+                <a:srgbClr val="660033"/>
+              </a:solidFill>
+              <a:ea typeface="Microsoft JhengHei" panose="020B0604030504040204" pitchFamily="34" charset="-120"/>
+            </a:endParaRPr>
+          </a:p>
+          <a:p>
+            <a:pPr marL="0" indent="0" algn="ctr">
+              <a:buNone/>
+            </a:pPr>
+            <a:r>
+              <a:rPr lang="zh-TW" altLang="en-US" sz="6400" b="1" dirty="0">
+                <a:solidFill>
+                  <a:srgbClr val="660033"/>
+                </a:solidFill>
+                <a:latin typeface="Microsoft JhengHei" panose="020B0604030504040204" pitchFamily="34" charset="-120"/>
+                <a:ea typeface="Microsoft JhengHei" panose="020B0604030504040204" pitchFamily="34" charset="-120"/>
+              </a:rPr>
+              <a:t>祂賜下愛  醫治寬恕</a:t>
+            </a:r>
+            <a:endParaRPr lang="vi-VN" sz="6400" b="1" dirty="0">
+              <a:solidFill>
+                <a:srgbClr val="660033"/>
+              </a:solidFill>
+              <a:ea typeface="Microsoft JhengHei" panose="020B0604030504040204" pitchFamily="34" charset="-120"/>
+            </a:endParaRPr>
+          </a:p>
+        </p:txBody>
+      </p:sp>
+      <p:sp>
+        <p:nvSpPr>
+          <p:cNvPr id="3" name="TextBox 2"/>
+          <p:cNvSpPr txBox="1"/>
+          <p:nvPr/>
+        </p:nvSpPr>
+        <p:spPr>
+          <a:xfrm>
+            <a:off x="0" y="5157192"/>
+            <a:ext cx="12192000" cy="748988"/>
+          </a:xfrm>
+          <a:prstGeom prst="rect">
+            <a:avLst/>
+          </a:prstGeom>
+          <a:noFill/>
+        </p:spPr>
+        <p:txBody>
+          <a:bodyPr wrap="square" rtlCol="0">
+            <a:spAutoFit/>
+          </a:bodyPr>
+          <a:lstStyle/>
+          <a:p>
+            <a:pPr algn="ctr"/>
+            <a:r>
+              <a:rPr lang="en-US" sz="4267" b="1" dirty="0">
+                <a:solidFill>
+                  <a:srgbClr val="660033"/>
+                </a:solidFill>
+                <a:latin typeface="Microsoft JhengHei" panose="020B0604030504040204" pitchFamily="34" charset="-120"/>
+                <a:ea typeface="Microsoft JhengHei" panose="020B0604030504040204" pitchFamily="34" charset="-120"/>
+              </a:rPr>
+              <a:t>( </a:t>
+            </a:r>
+            <a:r>
+              <a:rPr lang="zh-CN" altLang="en-US" sz="4267" b="1" dirty="0">
+                <a:solidFill>
+                  <a:srgbClr val="660033"/>
+                </a:solidFill>
+                <a:latin typeface="Microsoft JhengHei" panose="020B0604030504040204" pitchFamily="34" charset="-120"/>
+                <a:ea typeface="Microsoft JhengHei" panose="020B0604030504040204" pitchFamily="34" charset="-120"/>
+              </a:rPr>
+              <a:t>正</a:t>
+            </a:r>
+            <a:r>
+              <a:rPr lang="en-US" sz="4267" b="1" dirty="0">
+                <a:solidFill>
+                  <a:srgbClr val="660033"/>
+                </a:solidFill>
+                <a:latin typeface="Microsoft JhengHei" panose="020B0604030504040204" pitchFamily="34" charset="-120"/>
+                <a:ea typeface="Microsoft JhengHei" panose="020B0604030504040204" pitchFamily="34" charset="-120"/>
+              </a:rPr>
+              <a:t> )</a:t>
+            </a:r>
+            <a:endParaRPr lang="vi-VN" sz="4267" b="1" dirty="0">
+              <a:solidFill>
+                <a:srgbClr val="660033"/>
+              </a:solidFill>
+              <a:ea typeface="Microsoft JhengHei" panose="020B0604030504040204" pitchFamily="34" charset="-120"/>
+            </a:endParaRPr>
+          </a:p>
+        </p:txBody>
+      </p:sp>
+    </p:spTree>
+    <p:extLst>
+      <p:ext uri="{BB962C8B-B14F-4D97-AF65-F5344CB8AC3E}">
+        <p14:creationId xmlns:p14="http://schemas.microsoft.com/office/powerpoint/2010/main" val="2429065496"/>
+      </p:ext>
+    </p:extLst>
+  </p:cSld>
+  <p:clrMapOvr>
+    <a:masterClrMapping/>
+  </p:clrMapOvr>
+</p:sld>
+</file>
+
+<file path=ppt/slides/slide3.xml><?xml version="1.0" encoding="utf-8"?>
+<p:sld xmlns:a="http://schemas.openxmlformats.org/drawingml/2006/main" xmlns:r="http://schemas.openxmlformats.org/officeDocument/2006/relationships" xmlns:p="http://schemas.openxmlformats.org/presentationml/2006/main">
+  <p:cSld>
+    <p:spTree>
+      <p:nvGrpSpPr>
+        <p:cNvPr id="1" name=""/>
+        <p:cNvGrpSpPr/>
+        <p:nvPr/>
+      </p:nvGrpSpPr>
+      <p:grpSpPr>
+        <a:xfrm>
+          <a:off x="0" y="0"/>
+          <a:ext cx="0" cy="0"/>
+          <a:chOff x="0" y="0"/>
+          <a:chExt cx="0" cy="0"/>
+        </a:xfrm>
+      </p:grpSpPr>
+      <p:sp>
+        <p:nvSpPr>
+          <p:cNvPr id="5" name="內容版面配置區 4"/>
+          <p:cNvSpPr>
+            <a:spLocks noGrp="1"/>
+          </p:cNvSpPr>
+          <p:nvPr>
+            <p:ph idx="1"/>
+          </p:nvPr>
+        </p:nvSpPr>
+        <p:spPr>
+          <a:xfrm>
+            <a:off x="0" y="2084851"/>
+            <a:ext cx="12192000" cy="2404863"/>
+          </a:xfrm>
+        </p:spPr>
+        <p:txBody>
+          <a:bodyPr anchor="ctr">
+            <a:normAutofit/>
+          </a:bodyPr>
+          <a:lstStyle/>
+          <a:p>
+            <a:pPr marL="0" indent="0" algn="ctr">
+              <a:buNone/>
+            </a:pPr>
+            <a:r>
+              <a:rPr lang="zh-TW" altLang="en-US" sz="6400" b="1" dirty="0">
+                <a:solidFill>
+                  <a:srgbClr val="660033"/>
+                </a:solidFill>
+                <a:latin typeface="Microsoft JhengHei" panose="020B0604030504040204" pitchFamily="34" charset="-120"/>
+                <a:ea typeface="Microsoft JhengHei" panose="020B0604030504040204" pitchFamily="34" charset="-120"/>
+              </a:rPr>
+              <a:t>死</a:t>
+            </a:r>
+            <a:r>
+              <a:rPr lang="zh-CN" altLang="en-US" sz="6400" b="1" dirty="0">
+                <a:solidFill>
+                  <a:srgbClr val="660033"/>
+                </a:solidFill>
+                <a:latin typeface="Microsoft JhengHei" panose="020B0604030504040204" pitchFamily="34" charset="-120"/>
+                <a:ea typeface="Microsoft JhengHei" panose="020B0604030504040204" pitchFamily="34" charset="-120"/>
+              </a:rPr>
+              <a:t>裡</a:t>
+            </a:r>
+            <a:r>
+              <a:rPr lang="zh-TW" altLang="en-US" sz="6400" b="1" dirty="0">
+                <a:solidFill>
+                  <a:srgbClr val="660033"/>
+                </a:solidFill>
+                <a:latin typeface="Microsoft JhengHei" panose="020B0604030504040204" pitchFamily="34" charset="-120"/>
+                <a:ea typeface="Microsoft JhengHei" panose="020B0604030504040204" pitchFamily="34" charset="-120"/>
+              </a:rPr>
+              <a:t>復活 </a:t>
+            </a:r>
+            <a:r>
+              <a:rPr lang="zh-TW" altLang="en-US" sz="6400" b="1" dirty="0">
+                <a:solidFill>
+                  <a:srgbClr val="660033"/>
+                </a:solidFill>
+                <a:latin typeface="Microsoft JhengHei" panose="020B0604030504040204" pitchFamily="34" charset="-120"/>
+                <a:ea typeface="Microsoft JhengHei" panose="020B0604030504040204" pitchFamily="34" charset="-120"/>
+              </a:rPr>
+              <a:t> 使</a:t>
+            </a:r>
+            <a:r>
+              <a:rPr lang="zh-TW" altLang="en-US" sz="6400" b="1" dirty="0">
+                <a:solidFill>
+                  <a:srgbClr val="660033"/>
+                </a:solidFill>
+                <a:latin typeface="Microsoft JhengHei" panose="020B0604030504040204" pitchFamily="34" charset="-120"/>
+                <a:ea typeface="Microsoft JhengHei" panose="020B0604030504040204" pitchFamily="34" charset="-120"/>
+              </a:rPr>
+              <a:t>我得自由</a:t>
+            </a:r>
+            <a:r>
+              <a:rPr lang="en-US" sz="6400" b="1" dirty="0">
+                <a:solidFill>
+                  <a:srgbClr val="660033"/>
+                </a:solidFill>
+                <a:latin typeface="Microsoft JhengHei" panose="020B0604030504040204" pitchFamily="34" charset="-120"/>
+                <a:ea typeface="Microsoft JhengHei" panose="020B0604030504040204" pitchFamily="34" charset="-120"/>
+              </a:rPr>
+              <a:t> </a:t>
+            </a:r>
+            <a:endParaRPr lang="vi-VN" sz="6400" b="1" dirty="0">
+              <a:solidFill>
+                <a:srgbClr val="660033"/>
+              </a:solidFill>
               <a:latin typeface="Microsoft JhengHei" panose="020B0604030504040204" pitchFamily="34" charset="-120"/>
               <a:ea typeface="Microsoft JhengHei" panose="020B0604030504040204" pitchFamily="34" charset="-120"/>
             </a:endParaRPr>
@@ -3350,29 +3467,176 @@
               <a:buNone/>
             </a:pPr>
             <a:r>
-              <a:rPr lang="zh-TW" altLang="en-US" sz="5400" b="1" dirty="0">
+              <a:rPr lang="zh-TW" altLang="en-US" sz="6400" b="1" dirty="0">
+                <a:solidFill>
+                  <a:srgbClr val="660033"/>
+                </a:solidFill>
                 <a:latin typeface="Microsoft JhengHei" panose="020B0604030504040204" pitchFamily="34" charset="-120"/>
                 <a:ea typeface="Microsoft JhengHei" panose="020B0604030504040204" pitchFamily="34" charset="-120"/>
               </a:rPr>
-              <a:t>因祂活著 不再懼怕</a:t>
-            </a:r>
-            <a:endParaRPr lang="vi-VN" sz="5400" b="1" dirty="0">
+              <a:t>那空墳墓就是我得救的記號</a:t>
+            </a:r>
+            <a:endParaRPr lang="vi-VN" sz="6400" b="1" dirty="0">
+              <a:solidFill>
+                <a:srgbClr val="660033"/>
+              </a:solidFill>
               <a:latin typeface="Microsoft JhengHei" panose="020B0604030504040204" pitchFamily="34" charset="-120"/>
               <a:ea typeface="Microsoft JhengHei" panose="020B0604030504040204" pitchFamily="34" charset="-120"/>
             </a:endParaRPr>
           </a:p>
-          <a:p>
-            <a:pPr marL="0" indent="0" algn="ctr">
-              <a:buNone/>
-            </a:pPr>
-            <a:r>
-              <a:rPr lang="zh-TW" altLang="en-US" sz="5400" b="1" dirty="0">
+        </p:txBody>
+      </p:sp>
+      <p:sp>
+        <p:nvSpPr>
+          <p:cNvPr id="3" name="TextBox 2"/>
+          <p:cNvSpPr txBox="1"/>
+          <p:nvPr/>
+        </p:nvSpPr>
+        <p:spPr>
+          <a:xfrm>
+            <a:off x="0" y="5157192"/>
+            <a:ext cx="12192000" cy="748988"/>
+          </a:xfrm>
+          <a:prstGeom prst="rect">
+            <a:avLst/>
+          </a:prstGeom>
+          <a:noFill/>
+        </p:spPr>
+        <p:txBody>
+          <a:bodyPr wrap="square" rtlCol="0">
+            <a:spAutoFit/>
+          </a:bodyPr>
+          <a:lstStyle/>
+          <a:p>
+            <a:pPr algn="ctr"/>
+            <a:r>
+              <a:rPr lang="en-US" sz="4267" b="1" dirty="0">
+                <a:solidFill>
+                  <a:srgbClr val="660033"/>
+                </a:solidFill>
                 <a:latin typeface="Microsoft JhengHei" panose="020B0604030504040204" pitchFamily="34" charset="-120"/>
                 <a:ea typeface="Microsoft JhengHei" panose="020B0604030504040204" pitchFamily="34" charset="-120"/>
               </a:rPr>
-              <a:t>我深知道 祂掌管明天</a:t>
-            </a:r>
-            <a:endParaRPr lang="vi-VN" sz="5400" b="1" dirty="0">
+              <a:t>( </a:t>
+            </a:r>
+            <a:r>
+              <a:rPr lang="zh-CN" altLang="en-US" sz="4267" b="1" dirty="0">
+                <a:solidFill>
+                  <a:srgbClr val="660033"/>
+                </a:solidFill>
+                <a:latin typeface="Microsoft JhengHei" panose="020B0604030504040204" pitchFamily="34" charset="-120"/>
+                <a:ea typeface="Microsoft JhengHei" panose="020B0604030504040204" pitchFamily="34" charset="-120"/>
+              </a:rPr>
+              <a:t>正</a:t>
+            </a:r>
+            <a:r>
+              <a:rPr lang="en-US" sz="4267" b="1" dirty="0">
+                <a:solidFill>
+                  <a:srgbClr val="660033"/>
+                </a:solidFill>
+                <a:latin typeface="Microsoft JhengHei" panose="020B0604030504040204" pitchFamily="34" charset="-120"/>
+                <a:ea typeface="Microsoft JhengHei" panose="020B0604030504040204" pitchFamily="34" charset="-120"/>
+              </a:rPr>
+              <a:t> )</a:t>
+            </a:r>
+            <a:endParaRPr lang="vi-VN" sz="4267" b="1" dirty="0">
+              <a:solidFill>
+                <a:srgbClr val="660033"/>
+              </a:solidFill>
+              <a:ea typeface="Microsoft JhengHei" panose="020B0604030504040204" pitchFamily="34" charset="-120"/>
+            </a:endParaRPr>
+          </a:p>
+        </p:txBody>
+      </p:sp>
+    </p:spTree>
+    <p:extLst>
+      <p:ext uri="{BB962C8B-B14F-4D97-AF65-F5344CB8AC3E}">
+        <p14:creationId xmlns:p14="http://schemas.microsoft.com/office/powerpoint/2010/main" val="3252615310"/>
+      </p:ext>
+    </p:extLst>
+  </p:cSld>
+  <p:clrMapOvr>
+    <a:masterClrMapping/>
+  </p:clrMapOvr>
+</p:sld>
+</file>
+
+<file path=ppt/slides/slide4.xml><?xml version="1.0" encoding="utf-8"?>
+<p:sld xmlns:a="http://schemas.openxmlformats.org/drawingml/2006/main" xmlns:r="http://schemas.openxmlformats.org/officeDocument/2006/relationships" xmlns:p="http://schemas.openxmlformats.org/presentationml/2006/main">
+  <p:cSld>
+    <p:spTree>
+      <p:nvGrpSpPr>
+        <p:cNvPr id="1" name=""/>
+        <p:cNvGrpSpPr/>
+        <p:nvPr/>
+      </p:nvGrpSpPr>
+      <p:grpSpPr>
+        <a:xfrm>
+          <a:off x="0" y="0"/>
+          <a:ext cx="0" cy="0"/>
+          <a:chOff x="0" y="0"/>
+          <a:chExt cx="0" cy="0"/>
+        </a:xfrm>
+      </p:grpSpPr>
+      <p:sp>
+        <p:nvSpPr>
+          <p:cNvPr id="5" name="內容版面配置區 4"/>
+          <p:cNvSpPr>
+            <a:spLocks noGrp="1"/>
+          </p:cNvSpPr>
+          <p:nvPr>
+            <p:ph idx="1"/>
+          </p:nvPr>
+        </p:nvSpPr>
+        <p:spPr>
+          <a:xfrm>
+            <a:off x="0" y="2084851"/>
+            <a:ext cx="12192000" cy="2404863"/>
+          </a:xfrm>
+        </p:spPr>
+        <p:txBody>
+          <a:bodyPr anchor="ctr">
+            <a:normAutofit/>
+          </a:bodyPr>
+          <a:lstStyle/>
+          <a:p>
+            <a:pPr marL="0" indent="0" algn="ctr">
+              <a:buNone/>
+            </a:pPr>
+            <a:r>
+              <a:rPr lang="zh-TW" altLang="en-US" sz="6400" b="1" dirty="0">
+                <a:solidFill>
+                  <a:srgbClr val="660033"/>
+                </a:solidFill>
+                <a:latin typeface="Microsoft JhengHei" panose="020B0604030504040204" pitchFamily="34" charset="-120"/>
+                <a:ea typeface="Microsoft JhengHei" panose="020B0604030504040204" pitchFamily="34" charset="-120"/>
+              </a:rPr>
+              <a:t>因祂活著 </a:t>
+            </a:r>
+            <a:r>
+              <a:rPr lang="zh-TW" altLang="en-US" sz="6400" b="1" dirty="0">
+                <a:solidFill>
+                  <a:srgbClr val="660033"/>
+                </a:solidFill>
+                <a:latin typeface="Microsoft JhengHei" panose="020B0604030504040204" pitchFamily="34" charset="-120"/>
+                <a:ea typeface="Microsoft JhengHei" panose="020B0604030504040204" pitchFamily="34" charset="-120"/>
+              </a:rPr>
+              <a:t> 我</a:t>
+            </a:r>
+            <a:r>
+              <a:rPr lang="zh-TW" altLang="en-US" sz="6400" b="1" dirty="0">
+                <a:solidFill>
+                  <a:srgbClr val="660033"/>
+                </a:solidFill>
+                <a:latin typeface="Microsoft JhengHei" panose="020B0604030504040204" pitchFamily="34" charset="-120"/>
+                <a:ea typeface="Microsoft JhengHei" panose="020B0604030504040204" pitchFamily="34" charset="-120"/>
+              </a:rPr>
+              <a:t>能面對明天</a:t>
+            </a:r>
+            <a:endParaRPr lang="vi-VN" sz="6400" b="1" dirty="0">
+              <a:solidFill>
+                <a:srgbClr val="660033"/>
+              </a:solidFill>
               <a:latin typeface="Microsoft JhengHei" panose="020B0604030504040204" pitchFamily="34" charset="-120"/>
               <a:ea typeface="Microsoft JhengHei" panose="020B0604030504040204" pitchFamily="34" charset="-120"/>
             </a:endParaRPr>
@@ -3382,37 +3646,310 @@
               <a:buNone/>
             </a:pPr>
             <a:r>
-              <a:rPr lang="zh-TW" altLang="en-US" sz="5400" b="1" dirty="0">
+              <a:rPr lang="zh-TW" altLang="en-US" sz="6400" b="1" dirty="0">
+                <a:solidFill>
+                  <a:srgbClr val="660033"/>
+                </a:solidFill>
+                <a:latin typeface="Microsoft JhengHei" panose="020B0604030504040204" pitchFamily="34" charset="-120"/>
+                <a:ea typeface="Microsoft JhengHei" panose="020B0604030504040204" pitchFamily="34" charset="-120"/>
+              </a:rPr>
+              <a:t>因祂活著 </a:t>
+            </a:r>
+            <a:r>
+              <a:rPr lang="zh-TW" altLang="en-US" sz="6400" b="1" dirty="0">
+                <a:solidFill>
+                  <a:srgbClr val="660033"/>
+                </a:solidFill>
+                <a:latin typeface="Microsoft JhengHei" panose="020B0604030504040204" pitchFamily="34" charset="-120"/>
+                <a:ea typeface="Microsoft JhengHei" panose="020B0604030504040204" pitchFamily="34" charset="-120"/>
+              </a:rPr>
+              <a:t> 不</a:t>
+            </a:r>
+            <a:r>
+              <a:rPr lang="zh-TW" altLang="en-US" sz="6400" b="1" dirty="0">
+                <a:solidFill>
+                  <a:srgbClr val="660033"/>
+                </a:solidFill>
+                <a:latin typeface="Microsoft JhengHei" panose="020B0604030504040204" pitchFamily="34" charset="-120"/>
+                <a:ea typeface="Microsoft JhengHei" panose="020B0604030504040204" pitchFamily="34" charset="-120"/>
+              </a:rPr>
+              <a:t>再懼怕</a:t>
+            </a:r>
+            <a:endParaRPr lang="vi-VN" sz="6400" b="1" dirty="0">
+              <a:solidFill>
+                <a:srgbClr val="660033"/>
+              </a:solidFill>
+              <a:latin typeface="Microsoft JhengHei" panose="020B0604030504040204" pitchFamily="34" charset="-120"/>
+              <a:ea typeface="Microsoft JhengHei" panose="020B0604030504040204" pitchFamily="34" charset="-120"/>
+            </a:endParaRPr>
+          </a:p>
+        </p:txBody>
+      </p:sp>
+      <p:sp>
+        <p:nvSpPr>
+          <p:cNvPr id="3" name="TextBox 2"/>
+          <p:cNvSpPr txBox="1"/>
+          <p:nvPr/>
+        </p:nvSpPr>
+        <p:spPr>
+          <a:xfrm>
+            <a:off x="0" y="5157192"/>
+            <a:ext cx="12192000" cy="748988"/>
+          </a:xfrm>
+          <a:prstGeom prst="rect">
+            <a:avLst/>
+          </a:prstGeom>
+          <a:noFill/>
+        </p:spPr>
+        <p:txBody>
+          <a:bodyPr wrap="square" rtlCol="0">
+            <a:spAutoFit/>
+          </a:bodyPr>
+          <a:lstStyle/>
+          <a:p>
+            <a:pPr algn="ctr"/>
+            <a:r>
+              <a:rPr lang="en-US" sz="4267" b="1" dirty="0">
+                <a:solidFill>
+                  <a:srgbClr val="660033"/>
+                </a:solidFill>
+                <a:latin typeface="Microsoft JhengHei" panose="020B0604030504040204" pitchFamily="34" charset="-120"/>
+                <a:ea typeface="Microsoft JhengHei" panose="020B0604030504040204" pitchFamily="34" charset="-120"/>
+              </a:rPr>
+              <a:t>( </a:t>
+            </a:r>
+            <a:r>
+              <a:rPr lang="zh-CN" altLang="en-US" sz="4267" b="1" dirty="0">
+                <a:solidFill>
+                  <a:srgbClr val="660033"/>
+                </a:solidFill>
+                <a:latin typeface="Microsoft JhengHei" panose="020B0604030504040204" pitchFamily="34" charset="-120"/>
+                <a:ea typeface="Microsoft JhengHei" panose="020B0604030504040204" pitchFamily="34" charset="-120"/>
+              </a:rPr>
+              <a:t>副</a:t>
+            </a:r>
+            <a:r>
+              <a:rPr lang="en-US" sz="4267" b="1" dirty="0">
+                <a:solidFill>
+                  <a:srgbClr val="660033"/>
+                </a:solidFill>
+                <a:latin typeface="Microsoft JhengHei" panose="020B0604030504040204" pitchFamily="34" charset="-120"/>
+                <a:ea typeface="Microsoft JhengHei" panose="020B0604030504040204" pitchFamily="34" charset="-120"/>
+              </a:rPr>
+              <a:t> )</a:t>
+            </a:r>
+            <a:endParaRPr lang="vi-VN" sz="4267" b="1" dirty="0">
+              <a:solidFill>
+                <a:srgbClr val="660033"/>
+              </a:solidFill>
+              <a:ea typeface="Microsoft JhengHei" panose="020B0604030504040204" pitchFamily="34" charset="-120"/>
+            </a:endParaRPr>
+          </a:p>
+        </p:txBody>
+      </p:sp>
+    </p:spTree>
+    <p:extLst>
+      <p:ext uri="{BB962C8B-B14F-4D97-AF65-F5344CB8AC3E}">
+        <p14:creationId xmlns:p14="http://schemas.microsoft.com/office/powerpoint/2010/main" val="2012928485"/>
+      </p:ext>
+    </p:extLst>
+  </p:cSld>
+  <p:clrMapOvr>
+    <a:masterClrMapping/>
+  </p:clrMapOvr>
+</p:sld>
+</file>
+
+<file path=ppt/slides/slide5.xml><?xml version="1.0" encoding="utf-8"?>
+<p:sld xmlns:a="http://schemas.openxmlformats.org/drawingml/2006/main" xmlns:r="http://schemas.openxmlformats.org/officeDocument/2006/relationships" xmlns:p="http://schemas.openxmlformats.org/presentationml/2006/main">
+  <p:cSld>
+    <p:spTree>
+      <p:nvGrpSpPr>
+        <p:cNvPr id="1" name=""/>
+        <p:cNvGrpSpPr/>
+        <p:nvPr/>
+      </p:nvGrpSpPr>
+      <p:grpSpPr>
+        <a:xfrm>
+          <a:off x="0" y="0"/>
+          <a:ext cx="0" cy="0"/>
+          <a:chOff x="0" y="0"/>
+          <a:chExt cx="0" cy="0"/>
+        </a:xfrm>
+      </p:grpSpPr>
+      <p:sp>
+        <p:nvSpPr>
+          <p:cNvPr id="5" name="內容版面配置區 4"/>
+          <p:cNvSpPr>
+            <a:spLocks noGrp="1"/>
+          </p:cNvSpPr>
+          <p:nvPr>
+            <p:ph idx="1"/>
+          </p:nvPr>
+        </p:nvSpPr>
+        <p:spPr>
+          <a:xfrm>
+            <a:off x="0" y="2084851"/>
+            <a:ext cx="12192000" cy="2404863"/>
+          </a:xfrm>
+        </p:spPr>
+        <p:txBody>
+          <a:bodyPr anchor="ctr">
+            <a:normAutofit/>
+          </a:bodyPr>
+          <a:lstStyle/>
+          <a:p>
+            <a:pPr marL="0" indent="0" algn="ctr">
+              <a:buNone/>
+            </a:pPr>
+            <a:r>
+              <a:rPr lang="zh-TW" altLang="en-US" sz="6400" b="1" dirty="0">
+                <a:solidFill>
+                  <a:srgbClr val="660033"/>
+                </a:solidFill>
+                <a:latin typeface="Microsoft JhengHei" panose="020B0604030504040204" pitchFamily="34" charset="-120"/>
+                <a:ea typeface="Microsoft JhengHei" panose="020B0604030504040204" pitchFamily="34" charset="-120"/>
+              </a:rPr>
+              <a:t>我深知道 </a:t>
+            </a:r>
+            <a:r>
+              <a:rPr lang="zh-TW" altLang="en-US" sz="6400" b="1" dirty="0">
+                <a:solidFill>
+                  <a:srgbClr val="660033"/>
+                </a:solidFill>
+                <a:latin typeface="Microsoft JhengHei" panose="020B0604030504040204" pitchFamily="34" charset="-120"/>
+                <a:ea typeface="Microsoft JhengHei" panose="020B0604030504040204" pitchFamily="34" charset="-120"/>
+              </a:rPr>
+              <a:t> 祂</a:t>
+            </a:r>
+            <a:r>
+              <a:rPr lang="zh-TW" altLang="en-US" sz="6400" b="1" dirty="0">
+                <a:solidFill>
+                  <a:srgbClr val="660033"/>
+                </a:solidFill>
+                <a:latin typeface="Microsoft JhengHei" panose="020B0604030504040204" pitchFamily="34" charset="-120"/>
+                <a:ea typeface="Microsoft JhengHei" panose="020B0604030504040204" pitchFamily="34" charset="-120"/>
+              </a:rPr>
+              <a:t>掌管明天</a:t>
+            </a:r>
+            <a:endParaRPr lang="vi-VN" sz="6400" b="1" dirty="0">
+              <a:solidFill>
+                <a:srgbClr val="660033"/>
+              </a:solidFill>
+              <a:latin typeface="Microsoft JhengHei" panose="020B0604030504040204" pitchFamily="34" charset="-120"/>
+              <a:ea typeface="Microsoft JhengHei" panose="020B0604030504040204" pitchFamily="34" charset="-120"/>
+            </a:endParaRPr>
+          </a:p>
+          <a:p>
+            <a:pPr marL="0" indent="0" algn="ctr">
+              <a:buNone/>
+            </a:pPr>
+            <a:r>
+              <a:rPr lang="zh-TW" altLang="en-US" sz="6400" b="1" dirty="0">
+                <a:solidFill>
+                  <a:srgbClr val="660033"/>
+                </a:solidFill>
                 <a:latin typeface="Microsoft JhengHei" panose="020B0604030504040204" pitchFamily="34" charset="-120"/>
                 <a:ea typeface="Microsoft JhengHei" panose="020B0604030504040204" pitchFamily="34" charset="-120"/>
               </a:rPr>
               <a:t>生命充滿了希望</a:t>
             </a:r>
             <a:r>
-              <a:rPr lang="en-US" altLang="zh-TW" sz="5400" b="1" dirty="0">
+              <a:rPr lang="en-US" altLang="zh-TW" sz="6400" b="1" dirty="0">
+                <a:solidFill>
+                  <a:srgbClr val="660033"/>
+                </a:solidFill>
                 <a:latin typeface="Microsoft JhengHei" panose="020B0604030504040204" pitchFamily="34" charset="-120"/>
                 <a:ea typeface="Microsoft JhengHei" panose="020B0604030504040204" pitchFamily="34" charset="-120"/>
               </a:rPr>
               <a:t>  </a:t>
             </a:r>
             <a:r>
-              <a:rPr lang="zh-TW" altLang="en-US" sz="5400" b="1" dirty="0">
+              <a:rPr lang="zh-TW" altLang="en-US" sz="6400" b="1" dirty="0">
+                <a:solidFill>
+                  <a:srgbClr val="660033"/>
+                </a:solidFill>
                 <a:latin typeface="Microsoft JhengHei" panose="020B0604030504040204" pitchFamily="34" charset="-120"/>
                 <a:ea typeface="Microsoft JhengHei" panose="020B0604030504040204" pitchFamily="34" charset="-120"/>
               </a:rPr>
               <a:t>只因祂活著</a:t>
             </a:r>
-            <a:endParaRPr lang="vi-VN" sz="5400" b="1" dirty="0">
+            <a:endParaRPr lang="vi-VN" sz="6400" b="1" dirty="0">
+              <a:solidFill>
+                <a:srgbClr val="660033"/>
+              </a:solidFill>
               <a:latin typeface="Microsoft JhengHei" panose="020B0604030504040204" pitchFamily="34" charset="-120"/>
               <a:ea typeface="Microsoft JhengHei" panose="020B0604030504040204" pitchFamily="34" charset="-120"/>
             </a:endParaRPr>
           </a:p>
         </p:txBody>
       </p:sp>
+      <p:sp>
+        <p:nvSpPr>
+          <p:cNvPr id="3" name="TextBox 2"/>
+          <p:cNvSpPr txBox="1"/>
+          <p:nvPr/>
+        </p:nvSpPr>
+        <p:spPr>
+          <a:xfrm>
+            <a:off x="0" y="5157192"/>
+            <a:ext cx="12192000" cy="748988"/>
+          </a:xfrm>
+          <a:prstGeom prst="rect">
+            <a:avLst/>
+          </a:prstGeom>
+          <a:noFill/>
+        </p:spPr>
+        <p:txBody>
+          <a:bodyPr wrap="square" rtlCol="0">
+            <a:spAutoFit/>
+          </a:bodyPr>
+          <a:lstStyle/>
+          <a:p>
+            <a:pPr algn="ctr"/>
+            <a:r>
+              <a:rPr lang="en-US" sz="4267" b="1" dirty="0">
+                <a:solidFill>
+                  <a:srgbClr val="660033"/>
+                </a:solidFill>
+                <a:latin typeface="Microsoft JhengHei" panose="020B0604030504040204" pitchFamily="34" charset="-120"/>
+                <a:ea typeface="Microsoft JhengHei" panose="020B0604030504040204" pitchFamily="34" charset="-120"/>
+              </a:rPr>
+              <a:t>( </a:t>
+            </a:r>
+            <a:r>
+              <a:rPr lang="zh-CN" altLang="en-US" sz="4267" b="1" dirty="0">
+                <a:solidFill>
+                  <a:srgbClr val="660033"/>
+                </a:solidFill>
+                <a:latin typeface="Microsoft JhengHei" panose="020B0604030504040204" pitchFamily="34" charset="-120"/>
+                <a:ea typeface="Microsoft JhengHei" panose="020B0604030504040204" pitchFamily="34" charset="-120"/>
+              </a:rPr>
+              <a:t>副</a:t>
+            </a:r>
+            <a:r>
+              <a:rPr lang="en-US" sz="4267" b="1" dirty="0">
+                <a:solidFill>
+                  <a:srgbClr val="660033"/>
+                </a:solidFill>
+                <a:latin typeface="Microsoft JhengHei" panose="020B0604030504040204" pitchFamily="34" charset="-120"/>
+                <a:ea typeface="Microsoft JhengHei" panose="020B0604030504040204" pitchFamily="34" charset="-120"/>
+              </a:rPr>
+              <a:t> )</a:t>
+            </a:r>
+            <a:endParaRPr lang="vi-VN" sz="4267" b="1" dirty="0">
+              <a:solidFill>
+                <a:srgbClr val="660033"/>
+              </a:solidFill>
+              <a:ea typeface="Microsoft JhengHei" panose="020B0604030504040204" pitchFamily="34" charset="-120"/>
+            </a:endParaRPr>
+          </a:p>
+        </p:txBody>
+      </p:sp>
     </p:spTree>
     <p:extLst>
       <p:ext uri="{BB962C8B-B14F-4D97-AF65-F5344CB8AC3E}">
-        <p14:creationId xmlns:p14="http://schemas.microsoft.com/office/powerpoint/2010/main" val="4139779654"/>
+        <p14:creationId xmlns:p14="http://schemas.microsoft.com/office/powerpoint/2010/main" val="4084963152"/>
       </p:ext>
     </p:extLst>
   </p:cSld>
